--- a/Game Presentation.pptx
+++ b/Game Presentation.pptx
@@ -309,7 +309,7 @@
             <a:fld id="{B61BEF0D-F0BB-DE4B-95CE-6DB70DBA9567}" type="datetimeFigureOut">
               <a:rPr lang="en-US" dirty="0"/>
               <a:pPr/>
-              <a:t>12/5/2019</a:t>
+              <a:t>12/6/2019</a:t>
             </a:fld>
             <a:endParaRPr lang="en-US" dirty="0"/>
           </a:p>
@@ -742,7 +742,7 @@
             <a:fld id="{B61BEF0D-F0BB-DE4B-95CE-6DB70DBA9567}" type="datetimeFigureOut">
               <a:rPr lang="en-US" dirty="0"/>
               <a:pPr/>
-              <a:t>12/5/2019</a:t>
+              <a:t>12/6/2019</a:t>
             </a:fld>
             <a:endParaRPr lang="en-US" dirty="0"/>
           </a:p>
@@ -989,7 +989,7 @@
             <a:fld id="{B61BEF0D-F0BB-DE4B-95CE-6DB70DBA9567}" type="datetimeFigureOut">
               <a:rPr lang="en-US" dirty="0"/>
               <a:pPr/>
-              <a:t>12/5/2019</a:t>
+              <a:t>12/6/2019</a:t>
             </a:fld>
             <a:endParaRPr lang="en-US" dirty="0"/>
           </a:p>
@@ -1294,7 +1294,7 @@
             <a:fld id="{B61BEF0D-F0BB-DE4B-95CE-6DB70DBA9567}" type="datetimeFigureOut">
               <a:rPr lang="en-US" dirty="0"/>
               <a:pPr/>
-              <a:t>12/5/2019</a:t>
+              <a:t>12/6/2019</a:t>
             </a:fld>
             <a:endParaRPr lang="en-US" dirty="0"/>
           </a:p>
@@ -1609,7 +1609,7 @@
             <a:fld id="{B61BEF0D-F0BB-DE4B-95CE-6DB70DBA9567}" type="datetimeFigureOut">
               <a:rPr lang="en-US" dirty="0"/>
               <a:pPr/>
-              <a:t>12/5/2019</a:t>
+              <a:t>12/6/2019</a:t>
             </a:fld>
             <a:endParaRPr lang="en-US" dirty="0"/>
           </a:p>
@@ -1908,7 +1908,7 @@
             <a:fld id="{B61BEF0D-F0BB-DE4B-95CE-6DB70DBA9567}" type="datetimeFigureOut">
               <a:rPr lang="en-US" dirty="0"/>
               <a:pPr/>
-              <a:t>12/5/2019</a:t>
+              <a:t>12/6/2019</a:t>
             </a:fld>
             <a:endParaRPr lang="en-US" dirty="0"/>
           </a:p>
@@ -2272,7 +2272,7 @@
             <a:fld id="{B61BEF0D-F0BB-DE4B-95CE-6DB70DBA9567}" type="datetimeFigureOut">
               <a:rPr lang="en-US" dirty="0"/>
               <a:pPr/>
-              <a:t>12/5/2019</a:t>
+              <a:t>12/6/2019</a:t>
             </a:fld>
             <a:endParaRPr lang="en-US" dirty="0"/>
           </a:p>
@@ -2443,7 +2443,7 @@
             <a:fld id="{B61BEF0D-F0BB-DE4B-95CE-6DB70DBA9567}" type="datetimeFigureOut">
               <a:rPr lang="en-US" dirty="0"/>
               <a:pPr/>
-              <a:t>12/5/2019</a:t>
+              <a:t>12/6/2019</a:t>
             </a:fld>
             <a:endParaRPr lang="en-US" dirty="0"/>
           </a:p>
@@ -2620,7 +2620,7 @@
             <a:fld id="{B61BEF0D-F0BB-DE4B-95CE-6DB70DBA9567}" type="datetimeFigureOut">
               <a:rPr lang="en-US" dirty="0"/>
               <a:pPr/>
-              <a:t>12/5/2019</a:t>
+              <a:t>12/6/2019</a:t>
             </a:fld>
             <a:endParaRPr lang="en-US" dirty="0"/>
           </a:p>
@@ -2787,7 +2787,7 @@
             <a:fld id="{B61BEF0D-F0BB-DE4B-95CE-6DB70DBA9567}" type="datetimeFigureOut">
               <a:rPr lang="en-US" dirty="0"/>
               <a:pPr/>
-              <a:t>12/5/2019</a:t>
+              <a:t>12/6/2019</a:t>
             </a:fld>
             <a:endParaRPr lang="en-US" dirty="0"/>
           </a:p>
@@ -3034,7 +3034,7 @@
             <a:fld id="{B61BEF0D-F0BB-DE4B-95CE-6DB70DBA9567}" type="datetimeFigureOut">
               <a:rPr lang="en-US" dirty="0"/>
               <a:pPr/>
-              <a:t>12/5/2019</a:t>
+              <a:t>12/6/2019</a:t>
             </a:fld>
             <a:endParaRPr lang="en-US" dirty="0"/>
           </a:p>
@@ -3267,7 +3267,7 @@
             <a:fld id="{B61BEF0D-F0BB-DE4B-95CE-6DB70DBA9567}" type="datetimeFigureOut">
               <a:rPr lang="en-US" dirty="0"/>
               <a:pPr/>
-              <a:t>12/5/2019</a:t>
+              <a:t>12/6/2019</a:t>
             </a:fld>
             <a:endParaRPr lang="en-US" dirty="0"/>
           </a:p>
@@ -3646,7 +3646,7 @@
             <a:fld id="{B61BEF0D-F0BB-DE4B-95CE-6DB70DBA9567}" type="datetimeFigureOut">
               <a:rPr lang="en-US" dirty="0"/>
               <a:pPr/>
-              <a:t>12/5/2019</a:t>
+              <a:t>12/6/2019</a:t>
             </a:fld>
             <a:endParaRPr lang="en-US" dirty="0"/>
           </a:p>
@@ -3761,7 +3761,7 @@
             <a:fld id="{B61BEF0D-F0BB-DE4B-95CE-6DB70DBA9567}" type="datetimeFigureOut">
               <a:rPr lang="en-US" dirty="0"/>
               <a:pPr/>
-              <a:t>12/5/2019</a:t>
+              <a:t>12/6/2019</a:t>
             </a:fld>
             <a:endParaRPr lang="en-US" dirty="0"/>
           </a:p>
@@ -3853,7 +3853,7 @@
             <a:fld id="{B61BEF0D-F0BB-DE4B-95CE-6DB70DBA9567}" type="datetimeFigureOut">
               <a:rPr lang="en-US" dirty="0"/>
               <a:pPr/>
-              <a:t>12/5/2019</a:t>
+              <a:t>12/6/2019</a:t>
             </a:fld>
             <a:endParaRPr lang="en-US" dirty="0"/>
           </a:p>
@@ -4105,7 +4105,7 @@
             <a:fld id="{B61BEF0D-F0BB-DE4B-95CE-6DB70DBA9567}" type="datetimeFigureOut">
               <a:rPr lang="en-US" dirty="0"/>
               <a:pPr/>
-              <a:t>12/5/2019</a:t>
+              <a:t>12/6/2019</a:t>
             </a:fld>
             <a:endParaRPr lang="en-US" dirty="0"/>
           </a:p>
@@ -4385,7 +4385,7 @@
             <a:fld id="{B61BEF0D-F0BB-DE4B-95CE-6DB70DBA9567}" type="datetimeFigureOut">
               <a:rPr lang="en-US" dirty="0"/>
               <a:pPr/>
-              <a:t>12/5/2019</a:t>
+              <a:t>12/6/2019</a:t>
             </a:fld>
             <a:endParaRPr lang="en-US" dirty="0"/>
           </a:p>
@@ -4788,7 +4788,7 @@
             <a:fld id="{B61BEF0D-F0BB-DE4B-95CE-6DB70DBA9567}" type="datetimeFigureOut">
               <a:rPr lang="en-US" dirty="0"/>
               <a:pPr/>
-              <a:t>12/5/2019</a:t>
+              <a:t>12/6/2019</a:t>
             </a:fld>
             <a:endParaRPr lang="en-US" dirty="0"/>
           </a:p>
@@ -5455,7 +5455,7 @@
         </p:nvSpPr>
         <p:spPr>
           <a:xfrm>
-            <a:off x="5671749" y="2658531"/>
+            <a:off x="3502324" y="2773171"/>
             <a:ext cx="457200" cy="1507067"/>
           </a:xfrm>
         </p:spPr>
@@ -5522,8 +5522,8 @@
         </p:blipFill>
         <p:spPr>
           <a:xfrm>
-            <a:off x="224080" y="1509623"/>
-            <a:ext cx="5364351" cy="4037161"/>
+            <a:off x="163695" y="1992703"/>
+            <a:ext cx="3338629" cy="3286664"/>
           </a:xfrm>
           <a:prstGeom prst="rect">
             <a:avLst/>
@@ -5552,14 +5552,74 @@
         </p:blipFill>
         <p:spPr>
           <a:xfrm>
-            <a:off x="6128949" y="1509623"/>
-            <a:ext cx="5587487" cy="4034165"/>
+            <a:off x="3959525" y="1997068"/>
+            <a:ext cx="3441940" cy="3282299"/>
           </a:xfrm>
           <a:prstGeom prst="rect">
             <a:avLst/>
           </a:prstGeom>
         </p:spPr>
       </p:pic>
+      <p:pic>
+        <p:nvPicPr>
+          <p:cNvPr id="6" name="Picture 5"/>
+          <p:cNvPicPr>
+            <a:picLocks noChangeAspect="1"/>
+          </p:cNvPicPr>
+          <p:nvPr/>
+        </p:nvPicPr>
+        <p:blipFill>
+          <a:blip r:embed="rId4">
+            <a:extLst>
+              <a:ext uri="{28A0092B-C50C-407E-A947-70E740481C1C}">
+                <a14:useLocalDpi xmlns:a14="http://schemas.microsoft.com/office/drawing/2010/main" val="0"/>
+              </a:ext>
+            </a:extLst>
+          </a:blip>
+          <a:stretch>
+            <a:fillRect/>
+          </a:stretch>
+        </p:blipFill>
+        <p:spPr>
+          <a:xfrm>
+            <a:off x="7781027" y="1992703"/>
+            <a:ext cx="4278702" cy="3286664"/>
+          </a:xfrm>
+          <a:prstGeom prst="rect">
+            <a:avLst/>
+          </a:prstGeom>
+        </p:spPr>
+      </p:pic>
+      <p:sp>
+        <p:nvSpPr>
+          <p:cNvPr id="7" name="TextBox 6"/>
+          <p:cNvSpPr txBox="1"/>
+          <p:nvPr/>
+        </p:nvSpPr>
+        <p:spPr>
+          <a:xfrm>
+            <a:off x="7354020" y="3194587"/>
+            <a:ext cx="474452" cy="664234"/>
+          </a:xfrm>
+          <a:prstGeom prst="rect">
+            <a:avLst/>
+          </a:prstGeom>
+          <a:noFill/>
+        </p:spPr>
+        <p:txBody>
+          <a:bodyPr wrap="square" rtlCol="0">
+            <a:spAutoFit/>
+          </a:bodyPr>
+          <a:lstStyle/>
+          <a:p>
+            <a:r>
+              <a:rPr lang="fr-CA" sz="3600" dirty="0" smtClean="0"/>
+              <a:t>=</a:t>
+            </a:r>
+            <a:endParaRPr lang="en-US" sz="3600" dirty="0"/>
+          </a:p>
+        </p:txBody>
+      </p:sp>
     </p:spTree>
     <p:extLst>
       <p:ext uri="{BB962C8B-B14F-4D97-AF65-F5344CB8AC3E}">
@@ -5813,8 +5873,8 @@
         </p:nvSpPr>
         <p:spPr>
           <a:xfrm>
-            <a:off x="854015" y="1613139"/>
-            <a:ext cx="10343072" cy="5078313"/>
+            <a:off x="854015" y="1268083"/>
+            <a:ext cx="10343072" cy="5355312"/>
           </a:xfrm>
           <a:prstGeom prst="rect">
             <a:avLst/>
@@ -5829,7 +5889,15 @@
           <a:p>
             <a:r>
               <a:rPr lang="fr-CA" dirty="0" smtClean="0"/>
-              <a:t>Brandon: -Game design </a:t>
+              <a:t>Brandon: </a:t>
+            </a:r>
+            <a:r>
+              <a:rPr lang="fr-CA" dirty="0" smtClean="0"/>
+              <a:t>Game </a:t>
+            </a:r>
+            <a:r>
+              <a:rPr lang="fr-CA" dirty="0" smtClean="0"/>
+              <a:t>design </a:t>
             </a:r>
           </a:p>
           <a:p>
@@ -5839,13 +5907,16 @@
             </a:r>
             <a:r>
               <a:rPr lang="fr-CA" dirty="0" smtClean="0"/>
-              <a:t>                -Ball </a:t>
+              <a:t>                </a:t>
+            </a:r>
+            <a:r>
+              <a:rPr lang="fr-CA" dirty="0" smtClean="0"/>
+              <a:t>Ball </a:t>
             </a:r>
             <a:r>
               <a:rPr lang="fr-CA" dirty="0" smtClean="0"/>
               <a:t>collisions</a:t>
             </a:r>
-            <a:endParaRPr lang="fr-CA" dirty="0" smtClean="0"/>
           </a:p>
           <a:p>
             <a:r>
@@ -5854,7 +5925,15 @@
             </a:r>
             <a:r>
               <a:rPr lang="fr-CA" dirty="0" smtClean="0"/>
-              <a:t>                -Music and </a:t>
+              <a:t>                </a:t>
+            </a:r>
+            <a:r>
+              <a:rPr lang="fr-CA" dirty="0" smtClean="0"/>
+              <a:t>Music </a:t>
+            </a:r>
+            <a:r>
+              <a:rPr lang="fr-CA" dirty="0" smtClean="0"/>
+              <a:t>and </a:t>
             </a:r>
             <a:r>
               <a:rPr lang="fr-CA" dirty="0" err="1" smtClean="0"/>
@@ -5877,12 +5956,13 @@
             </a:r>
             <a:r>
               <a:rPr lang="fr-CA" dirty="0" smtClean="0"/>
-              <a:t>                -</a:t>
+              <a:t>                </a:t>
             </a:r>
             <a:r>
               <a:rPr lang="fr-CA" dirty="0" smtClean="0"/>
               <a:t>Score</a:t>
             </a:r>
+            <a:endParaRPr lang="fr-CA" dirty="0" smtClean="0"/>
           </a:p>
           <a:p>
             <a:r>
@@ -5891,7 +5971,7 @@
             </a:r>
             <a:r>
               <a:rPr lang="fr-CA" dirty="0" smtClean="0"/>
-              <a:t>                -</a:t>
+              <a:t>                </a:t>
             </a:r>
             <a:r>
               <a:rPr lang="fr-CA" dirty="0" err="1" smtClean="0"/>
@@ -5928,11 +6008,7 @@
             </a:r>
             <a:r>
               <a:rPr lang="fr-CA" dirty="0" smtClean="0"/>
-              <a:t>           </a:t>
-            </a:r>
-            <a:r>
-              <a:rPr lang="fr-CA" dirty="0" smtClean="0"/>
-              <a:t>Ball </a:t>
+              <a:t>           Ball </a:t>
             </a:r>
             <a:r>
               <a:rPr lang="fr-CA" dirty="0" err="1" smtClean="0"/>
@@ -5957,7 +6033,6 @@
               <a:rPr lang="fr-CA" dirty="0" smtClean="0"/>
               <a:t> drops</a:t>
             </a:r>
-            <a:endParaRPr lang="fr-CA" dirty="0" smtClean="0"/>
           </a:p>
           <a:p>
             <a:r>
@@ -5966,7 +6041,25 @@
             </a:r>
             <a:r>
               <a:rPr lang="fr-CA" dirty="0" smtClean="0"/>
-              <a:t>           Player size down</a:t>
+              <a:t>           Player size </a:t>
+            </a:r>
+            <a:r>
+              <a:rPr lang="fr-CA" dirty="0" smtClean="0"/>
+              <a:t>down</a:t>
+            </a:r>
+          </a:p>
+          <a:p>
+            <a:r>
+              <a:rPr lang="fr-CA" dirty="0"/>
+              <a:t> </a:t>
+            </a:r>
+            <a:r>
+              <a:rPr lang="fr-CA" dirty="0" smtClean="0"/>
+              <a:t>           </a:t>
+            </a:r>
+            <a:r>
+              <a:rPr lang="fr-CA" dirty="0" err="1" smtClean="0"/>
+              <a:t>Portals</a:t>
             </a:r>
             <a:endParaRPr lang="fr-CA" dirty="0" smtClean="0"/>
           </a:p>
@@ -5980,11 +6073,7 @@
             </a:r>
             <a:r>
               <a:rPr lang="fr-CA" dirty="0" smtClean="0"/>
-              <a:t>: </a:t>
-            </a:r>
-            <a:r>
-              <a:rPr lang="fr-CA" dirty="0" smtClean="0"/>
-              <a:t>Ball speed up</a:t>
+              <a:t>: Ball speed up</a:t>
             </a:r>
           </a:p>
           <a:p>
@@ -6010,7 +6099,6 @@
               <a:rPr lang="fr-CA" dirty="0" smtClean="0"/>
               <a:t> transitions</a:t>
             </a:r>
-            <a:endParaRPr lang="fr-CA" dirty="0" smtClean="0"/>
           </a:p>
           <a:p>
             <a:endParaRPr lang="fr-CA" dirty="0"/>
@@ -6030,15 +6118,7 @@
             </a:r>
             <a:r>
               <a:rPr lang="fr-CA" dirty="0" smtClean="0"/>
-              <a:t>layer </a:t>
-            </a:r>
-            <a:r>
-              <a:rPr lang="fr-CA" dirty="0" smtClean="0"/>
-              <a:t>size </a:t>
-            </a:r>
-            <a:r>
-              <a:rPr lang="fr-CA" dirty="0" smtClean="0"/>
-              <a:t>up</a:t>
+              <a:t>layer size up</a:t>
             </a:r>
           </a:p>
           <a:p>
@@ -6239,11 +6319,7 @@
             </a:r>
             <a:r>
               <a:rPr lang="fr-CA" dirty="0" smtClean="0"/>
-              <a:t>: </a:t>
-            </a:r>
-            <a:r>
-              <a:rPr lang="fr-CA" dirty="0" smtClean="0"/>
-              <a:t>-</a:t>
+              <a:t>: -</a:t>
             </a:r>
             <a:r>
               <a:rPr lang="fr-CA" dirty="0" err="1" smtClean="0"/>
@@ -6251,11 +6327,7 @@
             </a:r>
             <a:r>
               <a:rPr lang="fr-CA" dirty="0" smtClean="0"/>
-              <a:t>, </a:t>
-            </a:r>
-            <a:r>
-              <a:rPr lang="fr-CA" dirty="0" smtClean="0"/>
-              <a:t>the </a:t>
+              <a:t>, the </a:t>
             </a:r>
             <a:r>
               <a:rPr lang="fr-CA" dirty="0" err="1" smtClean="0"/>
@@ -6323,7 +6395,6 @@
               <a:rPr lang="fr-CA" dirty="0" smtClean="0"/>
               <a:t> the math concepts </a:t>
             </a:r>
-            <a:endParaRPr lang="fr-CA" dirty="0" smtClean="0"/>
           </a:p>
           <a:p>
             <a:r>
@@ -6413,11 +6484,7 @@
             </a:r>
             <a:r>
               <a:rPr lang="fr-CA" dirty="0" smtClean="0"/>
-              <a:t>: </a:t>
-            </a:r>
-            <a:r>
-              <a:rPr lang="fr-CA" dirty="0" smtClean="0"/>
-              <a:t>-</a:t>
+              <a:t>: -</a:t>
             </a:r>
             <a:r>
               <a:rPr lang="fr-CA" dirty="0" err="1" smtClean="0"/>
@@ -6461,11 +6528,7 @@
             </a:r>
             <a:r>
               <a:rPr lang="fr-CA" dirty="0" err="1" smtClean="0"/>
-              <a:t>h</a:t>
-            </a:r>
-            <a:r>
-              <a:rPr lang="fr-CA" dirty="0" err="1" smtClean="0"/>
-              <a:t>ad</a:t>
+              <a:t>had</a:t>
             </a:r>
             <a:r>
               <a:rPr lang="fr-CA" dirty="0" smtClean="0"/>
